--- a/Upload/CBS/CBSdata.pptx
+++ b/Upload/CBS/CBSdata.pptx
@@ -15,12 +15,11 @@
     <p:sldId id="262" r:id="rId9"/>
     <p:sldId id="265" r:id="rId10"/>
     <p:sldId id="266" r:id="rId11"/>
-    <p:sldId id="263" r:id="rId12"/>
   </p:sldIdLst>
   <p:sldSz cx="12192000" cy="6858000"/>
   <p:notesSz cx="6858000" cy="9144000"/>
   <p:custDataLst>
-    <p:tags r:id="rId13"/>
+    <p:tags r:id="rId12"/>
   </p:custDataLst>
   <p:defaultTextStyle>
     <a:defPPr>
@@ -155,31 +154,6 @@
 </p:cmAuthorLst>
 </file>
 
-<file path=ppt/comments/comment1.xml><?xml version="1.0" encoding="utf-8"?>
-<p:cmLst xmlns:a="http://schemas.openxmlformats.org/drawingml/2006/main" xmlns:r="http://schemas.openxmlformats.org/officeDocument/2006/relationships" xmlns:p="http://schemas.openxmlformats.org/presentationml/2006/main">
-  <p:cm authorId="2" dt="2021-07-04T10:21:29.963" idx="1">
-    <p:pos x="10" y="10"/>
-    <p:text>Ik wil nog wat meer uitleg toevoegen over welke bewerkingen er op de data sets gedaan zijn, zoals:</p:text>
-    <p:extLst>
-      <p:ext uri="{C676402C-5697-4E1C-873F-D02D1690AC5C}">
-        <p15:threadingInfo xmlns:p15="http://schemas.microsoft.com/office/powerpoint/2012/main" timeZoneBias="-120"/>
-      </p:ext>
-    </p:extLst>
-  </p:cm>
-  <p:cm authorId="2" dt="2021-07-04T10:22:20.339" idx="2">
-    <p:pos x="10" y="146"/>
-    <p:text>- soms alleen op wijk niveau in fo uit de data set gelaten, of bijv. het verwijderen van onder/boven marges in de data set.</p:text>
-    <p:extLst>
-      <p:ext uri="{C676402C-5697-4E1C-873F-D02D1690AC5C}">
-        <p15:threadingInfo xmlns:p15="http://schemas.microsoft.com/office/powerpoint/2012/main" timeZoneBias="-120">
-          <p15:parentCm authorId="2" idx="1"/>
-        </p15:threadingInfo>
-      </p:ext>
-    </p:extLst>
-  </p:cm>
-</p:cmLst>
-</file>
-
 <file path=ppt/slideLayouts/slideLayout1.xml><?xml version="1.0" encoding="utf-8"?>
 <p:sldLayout xmlns:a="http://schemas.openxmlformats.org/drawingml/2006/main" xmlns:r="http://schemas.openxmlformats.org/officeDocument/2006/relationships" xmlns:p="http://schemas.openxmlformats.org/presentationml/2006/main" type="title" preserve="1">
   <p:cSld name="Title Slide">
@@ -329,7 +303,7 @@
           <a:p>
             <a:fld id="{663EB7A6-AB0A-424C-B77D-6FF21D11077F}" type="datetimeFigureOut">
               <a:rPr lang="en-GB" smtClean="0"/>
-              <a:t>04/07/2021</a:t>
+              <a:t>26/06/2022</a:t>
             </a:fld>
             <a:endParaRPr lang="en-GB"/>
           </a:p>
@@ -529,7 +503,7 @@
           <a:p>
             <a:fld id="{663EB7A6-AB0A-424C-B77D-6FF21D11077F}" type="datetimeFigureOut">
               <a:rPr lang="en-GB" smtClean="0"/>
-              <a:t>04/07/2021</a:t>
+              <a:t>26/06/2022</a:t>
             </a:fld>
             <a:endParaRPr lang="en-GB"/>
           </a:p>
@@ -739,7 +713,7 @@
           <a:p>
             <a:fld id="{663EB7A6-AB0A-424C-B77D-6FF21D11077F}" type="datetimeFigureOut">
               <a:rPr lang="en-GB" smtClean="0"/>
-              <a:t>04/07/2021</a:t>
+              <a:t>26/06/2022</a:t>
             </a:fld>
             <a:endParaRPr lang="en-GB"/>
           </a:p>
@@ -939,7 +913,7 @@
           <a:p>
             <a:fld id="{663EB7A6-AB0A-424C-B77D-6FF21D11077F}" type="datetimeFigureOut">
               <a:rPr lang="en-GB" smtClean="0"/>
-              <a:t>04/07/2021</a:t>
+              <a:t>26/06/2022</a:t>
             </a:fld>
             <a:endParaRPr lang="en-GB"/>
           </a:p>
@@ -1215,7 +1189,7 @@
           <a:p>
             <a:fld id="{663EB7A6-AB0A-424C-B77D-6FF21D11077F}" type="datetimeFigureOut">
               <a:rPr lang="en-GB" smtClean="0"/>
-              <a:t>04/07/2021</a:t>
+              <a:t>26/06/2022</a:t>
             </a:fld>
             <a:endParaRPr lang="en-GB"/>
           </a:p>
@@ -1483,7 +1457,7 @@
           <a:p>
             <a:fld id="{663EB7A6-AB0A-424C-B77D-6FF21D11077F}" type="datetimeFigureOut">
               <a:rPr lang="en-GB" smtClean="0"/>
-              <a:t>04/07/2021</a:t>
+              <a:t>26/06/2022</a:t>
             </a:fld>
             <a:endParaRPr lang="en-GB"/>
           </a:p>
@@ -1898,7 +1872,7 @@
           <a:p>
             <a:fld id="{663EB7A6-AB0A-424C-B77D-6FF21D11077F}" type="datetimeFigureOut">
               <a:rPr lang="en-GB" smtClean="0"/>
-              <a:t>04/07/2021</a:t>
+              <a:t>26/06/2022</a:t>
             </a:fld>
             <a:endParaRPr lang="en-GB"/>
           </a:p>
@@ -2040,7 +2014,7 @@
           <a:p>
             <a:fld id="{663EB7A6-AB0A-424C-B77D-6FF21D11077F}" type="datetimeFigureOut">
               <a:rPr lang="en-GB" smtClean="0"/>
-              <a:t>04/07/2021</a:t>
+              <a:t>26/06/2022</a:t>
             </a:fld>
             <a:endParaRPr lang="en-GB"/>
           </a:p>
@@ -2153,7 +2127,7 @@
           <a:p>
             <a:fld id="{663EB7A6-AB0A-424C-B77D-6FF21D11077F}" type="datetimeFigureOut">
               <a:rPr lang="en-GB" smtClean="0"/>
-              <a:t>04/07/2021</a:t>
+              <a:t>26/06/2022</a:t>
             </a:fld>
             <a:endParaRPr lang="en-GB"/>
           </a:p>
@@ -2466,7 +2440,7 @@
           <a:p>
             <a:fld id="{663EB7A6-AB0A-424C-B77D-6FF21D11077F}" type="datetimeFigureOut">
               <a:rPr lang="en-GB" smtClean="0"/>
-              <a:t>04/07/2021</a:t>
+              <a:t>26/06/2022</a:t>
             </a:fld>
             <a:endParaRPr lang="en-GB"/>
           </a:p>
@@ -2755,7 +2729,7 @@
           <a:p>
             <a:fld id="{663EB7A6-AB0A-424C-B77D-6FF21D11077F}" type="datetimeFigureOut">
               <a:rPr lang="en-GB" smtClean="0"/>
-              <a:t>04/07/2021</a:t>
+              <a:t>26/06/2022</a:t>
             </a:fld>
             <a:endParaRPr lang="en-GB"/>
           </a:p>
@@ -2881,7 +2855,7 @@
           <a:graphicData uri="http://schemas.openxmlformats.org/presentationml/2006/ole">
             <mc:AlternateContent xmlns:mc="http://schemas.openxmlformats.org/markup-compatibility/2006">
               <mc:Choice xmlns:v="urn:schemas-microsoft-com:vml" Requires="v">
-                <p:oleObj spid="_x0000_s11285" name="think-cell Slide" r:id="rId16" imgW="592" imgH="591" progId="TCLayout.ActiveDocument.1">
+                <p:oleObj spid="_x0000_s11286" name="think-cell Slide" r:id="rId16" imgW="592" imgH="591" progId="TCLayout.ActiveDocument.1">
                   <p:embed/>
                 </p:oleObj>
               </mc:Choice>
@@ -3121,7 +3095,7 @@
           <a:p>
             <a:fld id="{663EB7A6-AB0A-424C-B77D-6FF21D11077F}" type="datetimeFigureOut">
               <a:rPr lang="en-GB" smtClean="0"/>
-              <a:t>04/07/2021</a:t>
+              <a:t>26/06/2022</a:t>
             </a:fld>
             <a:endParaRPr lang="en-GB"/>
           </a:p>
@@ -3577,7 +3551,7 @@
           <a:graphicData uri="http://schemas.openxmlformats.org/presentationml/2006/ole">
             <mc:AlternateContent xmlns:mc="http://schemas.openxmlformats.org/markup-compatibility/2006">
               <mc:Choice xmlns:v="urn:schemas-microsoft-com:vml" Requires="v">
-                <p:oleObj spid="_x0000_s1073" name="think-cell Slide" r:id="rId5" imgW="352" imgH="353" progId="TCLayout.ActiveDocument.1">
+                <p:oleObj spid="_x0000_s1074" name="think-cell Slide" r:id="rId5" imgW="352" imgH="353" progId="TCLayout.ActiveDocument.1">
                   <p:embed/>
                 </p:oleObj>
               </mc:Choice>
@@ -4092,7 +4066,7 @@
           <a:graphicData uri="http://schemas.openxmlformats.org/presentationml/2006/ole">
             <mc:AlternateContent xmlns:mc="http://schemas.openxmlformats.org/markup-compatibility/2006">
               <mc:Choice xmlns:v="urn:schemas-microsoft-com:vml" Requires="v">
-                <p:oleObj spid="_x0000_s18449" name="think-cell Slide" r:id="rId5" imgW="352" imgH="353" progId="TCLayout.ActiveDocument.1">
+                <p:oleObj spid="_x0000_s18450" name="think-cell Slide" r:id="rId5" imgW="352" imgH="353" progId="TCLayout.ActiveDocument.1">
                   <p:embed/>
                 </p:oleObj>
               </mc:Choice>
@@ -4873,127 +4847,6 @@
 </p:sld>
 </file>
 
-<file path=ppt/slides/slide11.xml><?xml version="1.0" encoding="utf-8"?>
-<p:sld xmlns:a="http://schemas.openxmlformats.org/drawingml/2006/main" xmlns:r="http://schemas.openxmlformats.org/officeDocument/2006/relationships" xmlns:p="http://schemas.openxmlformats.org/presentationml/2006/main">
-  <p:cSld>
-    <p:bg>
-      <p:bgPr>
-        <a:solidFill>
-          <a:srgbClr val="E58413"/>
-        </a:solidFill>
-        <a:effectLst/>
-      </p:bgPr>
-    </p:bg>
-    <p:spTree>
-      <p:nvGrpSpPr>
-        <p:cNvPr id="1" name=""/>
-        <p:cNvGrpSpPr/>
-        <p:nvPr/>
-      </p:nvGrpSpPr>
-      <p:grpSpPr>
-        <a:xfrm>
-          <a:off x="0" y="0"/>
-          <a:ext cx="0" cy="0"/>
-          <a:chOff x="0" y="0"/>
-          <a:chExt cx="0" cy="0"/>
-        </a:xfrm>
-      </p:grpSpPr>
-      <p:sp>
-        <p:nvSpPr>
-          <p:cNvPr id="2" name="Title 1">
-            <a:extLst>
-              <a:ext uri="{FF2B5EF4-FFF2-40B4-BE49-F238E27FC236}">
-                <a16:creationId xmlns:a16="http://schemas.microsoft.com/office/drawing/2014/main" id="{E8EBD610-5CDA-45EF-A2F7-3DC1D40D6DF1}"/>
-              </a:ext>
-            </a:extLst>
-          </p:cNvPr>
-          <p:cNvSpPr>
-            <a:spLocks noGrp="1"/>
-          </p:cNvSpPr>
-          <p:nvPr>
-            <p:ph type="title"/>
-          </p:nvPr>
-        </p:nvSpPr>
-        <p:spPr/>
-        <p:txBody>
-          <a:bodyPr/>
-          <a:lstStyle/>
-          <a:p>
-            <a:r>
-              <a:rPr lang="en-US" dirty="0"/>
-              <a:t>Appendix</a:t>
-            </a:r>
-          </a:p>
-        </p:txBody>
-      </p:sp>
-      <p:sp>
-        <p:nvSpPr>
-          <p:cNvPr id="3" name="Content Placeholder 2">
-            <a:extLst>
-              <a:ext uri="{FF2B5EF4-FFF2-40B4-BE49-F238E27FC236}">
-                <a16:creationId xmlns:a16="http://schemas.microsoft.com/office/drawing/2014/main" id="{8537E52C-245E-465F-BE24-CD3A4E47E89A}"/>
-              </a:ext>
-            </a:extLst>
-          </p:cNvPr>
-          <p:cNvSpPr>
-            <a:spLocks noGrp="1"/>
-          </p:cNvSpPr>
-          <p:nvPr>
-            <p:ph idx="1"/>
-          </p:nvPr>
-        </p:nvSpPr>
-        <p:spPr/>
-        <p:txBody>
-          <a:bodyPr/>
-          <a:lstStyle/>
-          <a:p>
-            <a:pPr marL="0" indent="0">
-              <a:buNone/>
-            </a:pPr>
-            <a:r>
-              <a:rPr lang="nl-NL" dirty="0"/>
-              <a:t>Bronnen: https://opendata.cbs.nl/statline/portal.html?_la=nl&amp;_catalog=CBS</a:t>
-            </a:r>
-          </a:p>
-          <a:p>
-            <a:pPr marL="0" indent="0">
-              <a:buNone/>
-            </a:pPr>
-            <a:r>
-              <a:rPr lang="nl-NL" dirty="0"/>
-              <a:t>Vragen? </a:t>
-            </a:r>
-          </a:p>
-          <a:p>
-            <a:pPr marL="0" indent="0">
-              <a:buNone/>
-            </a:pPr>
-            <a:r>
-              <a:rPr lang="nl-NL" dirty="0"/>
-              <a:t>irisnonneman@gmail.com</a:t>
-            </a:r>
-          </a:p>
-          <a:p>
-            <a:pPr marL="0" indent="0">
-              <a:buNone/>
-            </a:pPr>
-            <a:endParaRPr lang="en-US" dirty="0"/>
-          </a:p>
-        </p:txBody>
-      </p:sp>
-    </p:spTree>
-    <p:extLst>
-      <p:ext uri="{BB962C8B-B14F-4D97-AF65-F5344CB8AC3E}">
-        <p14:creationId xmlns:p14="http://schemas.microsoft.com/office/powerpoint/2010/main" val="3859067182"/>
-      </p:ext>
-    </p:extLst>
-  </p:cSld>
-  <p:clrMapOvr>
-    <a:masterClrMapping/>
-  </p:clrMapOvr>
-</p:sld>
-</file>
-
 <file path=ppt/slides/slide2.xml><?xml version="1.0" encoding="utf-8"?>
 <p:sld xmlns:a="http://schemas.openxmlformats.org/drawingml/2006/main" xmlns:r="http://schemas.openxmlformats.org/officeDocument/2006/relationships" xmlns:p="http://schemas.openxmlformats.org/presentationml/2006/main">
   <p:cSld>
@@ -5091,7 +4944,7 @@
           <a:graphicData uri="http://schemas.openxmlformats.org/presentationml/2006/ole">
             <mc:AlternateContent xmlns:mc="http://schemas.openxmlformats.org/markup-compatibility/2006">
               <mc:Choice xmlns:v="urn:schemas-microsoft-com:vml" Requires="v">
-                <p:oleObj spid="_x0000_s2091" name="think-cell Slide" r:id="rId5" imgW="352" imgH="353" progId="TCLayout.ActiveDocument.1">
+                <p:oleObj spid="_x0000_s2092" name="think-cell Slide" r:id="rId5" imgW="352" imgH="353" progId="TCLayout.ActiveDocument.1">
                   <p:embed/>
                 </p:oleObj>
               </mc:Choice>
@@ -6087,7 +5940,7 @@
           <a:graphicData uri="http://schemas.openxmlformats.org/presentationml/2006/ole">
             <mc:AlternateContent xmlns:mc="http://schemas.openxmlformats.org/markup-compatibility/2006">
               <mc:Choice xmlns:v="urn:schemas-microsoft-com:vml" Requires="v">
-                <p:oleObj spid="_x0000_s16407" name="think-cell Slide" r:id="rId5" imgW="352" imgH="353" progId="TCLayout.ActiveDocument.1">
+                <p:oleObj spid="_x0000_s16408" name="think-cell Slide" r:id="rId5" imgW="352" imgH="353" progId="TCLayout.ActiveDocument.1">
                   <p:embed/>
                 </p:oleObj>
               </mc:Choice>
@@ -6952,7 +6805,7 @@
           <a:graphicData uri="http://schemas.openxmlformats.org/presentationml/2006/ole">
             <mc:AlternateContent xmlns:mc="http://schemas.openxmlformats.org/markup-compatibility/2006">
               <mc:Choice xmlns:v="urn:schemas-microsoft-com:vml" Requires="v">
-                <p:oleObj spid="_x0000_s3114" name="think-cell Slide" r:id="rId5" imgW="352" imgH="353" progId="TCLayout.ActiveDocument.1">
+                <p:oleObj spid="_x0000_s3115" name="think-cell Slide" r:id="rId5" imgW="352" imgH="353" progId="TCLayout.ActiveDocument.1">
                   <p:embed/>
                 </p:oleObj>
               </mc:Choice>
@@ -7640,7 +7493,7 @@
           <a:graphicData uri="http://schemas.openxmlformats.org/presentationml/2006/ole">
             <mc:AlternateContent xmlns:mc="http://schemas.openxmlformats.org/markup-compatibility/2006">
               <mc:Choice xmlns:v="urn:schemas-microsoft-com:vml" Requires="v">
-                <p:oleObj spid="_x0000_s19462" name="think-cell Slide" r:id="rId5" imgW="352" imgH="353" progId="TCLayout.ActiveDocument.1">
+                <p:oleObj spid="_x0000_s19463" name="think-cell Slide" r:id="rId5" imgW="352" imgH="353" progId="TCLayout.ActiveDocument.1">
                   <p:embed/>
                 </p:oleObj>
               </mc:Choice>
@@ -8347,7 +8200,7 @@
           <a:graphicData uri="http://schemas.openxmlformats.org/presentationml/2006/ole">
             <mc:AlternateContent xmlns:mc="http://schemas.openxmlformats.org/markup-compatibility/2006">
               <mc:Choice xmlns:v="urn:schemas-microsoft-com:vml" Requires="v">
-                <p:oleObj spid="_x0000_s12310" name="think-cell Slide" r:id="rId5" imgW="352" imgH="353" progId="TCLayout.ActiveDocument.1">
+                <p:oleObj spid="_x0000_s12311" name="think-cell Slide" r:id="rId5" imgW="352" imgH="353" progId="TCLayout.ActiveDocument.1">
                   <p:embed/>
                 </p:oleObj>
               </mc:Choice>
@@ -9154,7 +9007,7 @@
           <a:graphicData uri="http://schemas.openxmlformats.org/presentationml/2006/ole">
             <mc:AlternateContent xmlns:mc="http://schemas.openxmlformats.org/markup-compatibility/2006">
               <mc:Choice xmlns:v="urn:schemas-microsoft-com:vml" Requires="v">
-                <p:oleObj spid="_x0000_s14356" name="think-cell Slide" r:id="rId5" imgW="352" imgH="353" progId="TCLayout.ActiveDocument.1">
+                <p:oleObj spid="_x0000_s14357" name="think-cell Slide" r:id="rId5" imgW="352" imgH="353" progId="TCLayout.ActiveDocument.1">
                   <p:embed/>
                 </p:oleObj>
               </mc:Choice>
@@ -9921,7 +9774,7 @@
           <a:graphicData uri="http://schemas.openxmlformats.org/presentationml/2006/ole">
             <mc:AlternateContent xmlns:mc="http://schemas.openxmlformats.org/markup-compatibility/2006">
               <mc:Choice xmlns:v="urn:schemas-microsoft-com:vml" Requires="v">
-                <p:oleObj spid="_x0000_s13333" name="think-cell Slide" r:id="rId5" imgW="352" imgH="353" progId="TCLayout.ActiveDocument.1">
+                <p:oleObj spid="_x0000_s13334" name="think-cell Slide" r:id="rId5" imgW="352" imgH="353" progId="TCLayout.ActiveDocument.1">
                   <p:embed/>
                 </p:oleObj>
               </mc:Choice>
@@ -10747,7 +10600,7 @@
           <a:graphicData uri="http://schemas.openxmlformats.org/presentationml/2006/ole">
             <mc:AlternateContent xmlns:mc="http://schemas.openxmlformats.org/markup-compatibility/2006">
               <mc:Choice xmlns:v="urn:schemas-microsoft-com:vml" Requires="v">
-                <p:oleObj spid="_x0000_s17425" name="think-cell Slide" r:id="rId5" imgW="352" imgH="353" progId="TCLayout.ActiveDocument.1">
+                <p:oleObj spid="_x0000_s17426" name="think-cell Slide" r:id="rId5" imgW="352" imgH="353" progId="TCLayout.ActiveDocument.1">
                   <p:embed/>
                 </p:oleObj>
               </mc:Choice>
